--- a/Data Science Journey.pptx
+++ b/Data Science Journey.pptx
@@ -351,7 +351,7 @@
           <a:p>
             <a:fld id="{1D8BD707-D9CF-40AE-B4C6-C98DA3205C09}" type="datetimeFigureOut">
               <a:rPr lang="en-US" smtClean="0"/>
-              <a:t>7/21/23</a:t>
+              <a:t>9/2/2023</a:t>
             </a:fld>
             <a:endParaRPr lang="en-US"/>
           </a:p>
@@ -631,7 +631,7 @@
           <a:p>
             <a:fld id="{1D8BD707-D9CF-40AE-B4C6-C98DA3205C09}" type="datetimeFigureOut">
               <a:rPr lang="en-US" smtClean="0"/>
-              <a:t>7/21/23</a:t>
+              <a:t>9/2/2023</a:t>
             </a:fld>
             <a:endParaRPr lang="en-US"/>
           </a:p>
@@ -830,7 +830,7 @@
           <a:p>
             <a:fld id="{1D8BD707-D9CF-40AE-B4C6-C98DA3205C09}" type="datetimeFigureOut">
               <a:rPr lang="en-US" smtClean="0"/>
-              <a:t>7/21/23</a:t>
+              <a:t>9/2/2023</a:t>
             </a:fld>
             <a:endParaRPr lang="en-US"/>
           </a:p>
@@ -1103,7 +1103,7 @@
           <a:p>
             <a:fld id="{1D8BD707-D9CF-40AE-B4C6-C98DA3205C09}" type="datetimeFigureOut">
               <a:rPr lang="en-US" smtClean="0"/>
-              <a:t>7/21/23</a:t>
+              <a:t>9/2/2023</a:t>
             </a:fld>
             <a:endParaRPr lang="en-US"/>
           </a:p>
@@ -1440,7 +1440,7 @@
           <a:p>
             <a:fld id="{1D8BD707-D9CF-40AE-B4C6-C98DA3205C09}" type="datetimeFigureOut">
               <a:rPr lang="en-US" smtClean="0"/>
-              <a:t>7/21/23</a:t>
+              <a:t>9/2/2023</a:t>
             </a:fld>
             <a:endParaRPr lang="en-US"/>
           </a:p>
@@ -2055,7 +2055,7 @@
           <a:p>
             <a:fld id="{1D8BD707-D9CF-40AE-B4C6-C98DA3205C09}" type="datetimeFigureOut">
               <a:rPr lang="en-US" smtClean="0"/>
-              <a:t>7/21/23</a:t>
+              <a:t>9/2/2023</a:t>
             </a:fld>
             <a:endParaRPr lang="en-US"/>
           </a:p>
@@ -2907,7 +2907,7 @@
           <a:p>
             <a:fld id="{1D8BD707-D9CF-40AE-B4C6-C98DA3205C09}" type="datetimeFigureOut">
               <a:rPr lang="en-US" smtClean="0"/>
-              <a:t>7/21/23</a:t>
+              <a:t>9/2/2023</a:t>
             </a:fld>
             <a:endParaRPr lang="en-US"/>
           </a:p>
@@ -3082,7 +3082,7 @@
           <a:p>
             <a:fld id="{1D8BD707-D9CF-40AE-B4C6-C98DA3205C09}" type="datetimeFigureOut">
               <a:rPr lang="en-US" smtClean="0"/>
-              <a:t>7/21/23</a:t>
+              <a:t>9/2/2023</a:t>
             </a:fld>
             <a:endParaRPr lang="en-US"/>
           </a:p>
@@ -3267,7 +3267,7 @@
           <a:p>
             <a:fld id="{1D8BD707-D9CF-40AE-B4C6-C98DA3205C09}" type="datetimeFigureOut">
               <a:rPr lang="en-US" smtClean="0"/>
-              <a:t>7/21/23</a:t>
+              <a:t>9/2/2023</a:t>
             </a:fld>
             <a:endParaRPr lang="en-US"/>
           </a:p>
@@ -3442,7 +3442,7 @@
           <a:p>
             <a:fld id="{1D8BD707-D9CF-40AE-B4C6-C98DA3205C09}" type="datetimeFigureOut">
               <a:rPr lang="en-US" smtClean="0"/>
-              <a:t>7/21/23</a:t>
+              <a:t>9/2/2023</a:t>
             </a:fld>
             <a:endParaRPr lang="en-US"/>
           </a:p>
@@ -3691,7 +3691,7 @@
           <a:p>
             <a:fld id="{1D8BD707-D9CF-40AE-B4C6-C98DA3205C09}" type="datetimeFigureOut">
               <a:rPr lang="en-US" smtClean="0"/>
-              <a:t>7/21/23</a:t>
+              <a:t>9/2/2023</a:t>
             </a:fld>
             <a:endParaRPr lang="en-US"/>
           </a:p>
@@ -3988,7 +3988,7 @@
           <a:p>
             <a:fld id="{1D8BD707-D9CF-40AE-B4C6-C98DA3205C09}" type="datetimeFigureOut">
               <a:rPr lang="en-US" smtClean="0"/>
-              <a:t>7/21/23</a:t>
+              <a:t>9/2/2023</a:t>
             </a:fld>
             <a:endParaRPr lang="en-US"/>
           </a:p>
@@ -4431,7 +4431,7 @@
           <a:p>
             <a:fld id="{1D8BD707-D9CF-40AE-B4C6-C98DA3205C09}" type="datetimeFigureOut">
               <a:rPr lang="en-US" smtClean="0"/>
-              <a:t>7/21/23</a:t>
+              <a:t>9/2/2023</a:t>
             </a:fld>
             <a:endParaRPr lang="en-US"/>
           </a:p>
@@ -4554,7 +4554,7 @@
           <a:p>
             <a:fld id="{1D8BD707-D9CF-40AE-B4C6-C98DA3205C09}" type="datetimeFigureOut">
               <a:rPr lang="en-US" smtClean="0"/>
-              <a:t>7/21/23</a:t>
+              <a:t>9/2/2023</a:t>
             </a:fld>
             <a:endParaRPr lang="en-US"/>
           </a:p>
@@ -4654,7 +4654,7 @@
           <a:p>
             <a:fld id="{1D8BD707-D9CF-40AE-B4C6-C98DA3205C09}" type="datetimeFigureOut">
               <a:rPr lang="en-US" smtClean="0"/>
-              <a:t>7/21/23</a:t>
+              <a:t>9/2/2023</a:t>
             </a:fld>
             <a:endParaRPr lang="en-US"/>
           </a:p>
@@ -4938,7 +4938,7 @@
           <a:p>
             <a:fld id="{1D8BD707-D9CF-40AE-B4C6-C98DA3205C09}" type="datetimeFigureOut">
               <a:rPr lang="en-US" smtClean="0"/>
-              <a:t>7/21/23</a:t>
+              <a:t>9/2/2023</a:t>
             </a:fld>
             <a:endParaRPr lang="en-US"/>
           </a:p>
@@ -5218,7 +5218,7 @@
           <a:p>
             <a:fld id="{1D8BD707-D9CF-40AE-B4C6-C98DA3205C09}" type="datetimeFigureOut">
               <a:rPr lang="en-US" smtClean="0"/>
-              <a:t>7/21/23</a:t>
+              <a:t>9/2/2023</a:t>
             </a:fld>
             <a:endParaRPr lang="en-US"/>
           </a:p>
@@ -5652,7 +5652,7 @@
           <a:p>
             <a:fld id="{1D8BD707-D9CF-40AE-B4C6-C98DA3205C09}" type="datetimeFigureOut">
               <a:rPr lang="en-US" smtClean="0"/>
-              <a:t>7/21/23</a:t>
+              <a:t>9/2/2023</a:t>
             </a:fld>
             <a:endParaRPr lang="en-US"/>
           </a:p>
@@ -6410,7 +6410,7 @@
         <p:spPr>
           <a:xfrm>
             <a:off x="1176018" y="4300220"/>
-            <a:ext cx="6215381" cy="1545936"/>
+            <a:ext cx="10253982" cy="1074012"/>
           </a:xfrm>
           <a:prstGeom prst="rect">
             <a:avLst/>
@@ -6427,43 +6427,16 @@
                 <a:spcPct val="100000"/>
               </a:lnSpc>
               <a:spcBef>
-                <a:spcPts val="855"/>
+                <a:spcPts val="755"/>
               </a:spcBef>
             </a:pPr>
             <a:r>
-              <a:rPr lang="en-IN" sz="2400" spc="-175" dirty="0">
-                <a:solidFill>
-                  <a:srgbClr val="616E52"/>
-                </a:solidFill>
-                <a:latin typeface="Arial"/>
-                <a:cs typeface="Arial"/>
-              </a:rPr>
-              <a:t>Navas </a:t>
-            </a:r>
-            <a:r>
-              <a:rPr lang="en-IN" sz="2400" spc="-175" dirty="0" err="1">
-                <a:solidFill>
-                  <a:srgbClr val="616E52"/>
-                </a:solidFill>
-                <a:latin typeface="Arial"/>
-                <a:cs typeface="Arial"/>
-              </a:rPr>
-              <a:t>Sherif</a:t>
-            </a:r>
-            <a:r>
-              <a:rPr lang="en-IN" sz="2400" spc="-175" dirty="0">
-                <a:solidFill>
-                  <a:srgbClr val="616E52"/>
-                </a:solidFill>
-                <a:latin typeface="Arial"/>
-                <a:cs typeface="Arial"/>
-              </a:rPr>
-              <a:t> I</a:t>
-            </a:r>
-            <a:endParaRPr sz="2400" dirty="0">
-              <a:latin typeface="Arial"/>
-              <a:cs typeface="Arial"/>
-            </a:endParaRPr>
+              <a:rPr lang="en-IN" sz="3200" dirty="0">
+                <a:hlinkClick r:id="rId2"/>
+              </a:rPr>
+              <a:t>https://github.com/ohaa99/datascinececourse.git</a:t>
+            </a:r>
+            <a:endParaRPr lang="en-IN" sz="3200" dirty="0"/>
           </a:p>
           <a:p>
             <a:pPr marL="12700">
@@ -6475,61 +6448,24 @@
               </a:spcBef>
             </a:pPr>
             <a:r>
-              <a:rPr lang="en-IN" sz="3200" dirty="0">
-                <a:hlinkClick r:id="rId2"/>
-              </a:rPr>
-              <a:t>https://github.com/ayyodeji</a:t>
-            </a:r>
-            <a:endParaRPr lang="en-IN" sz="3200" dirty="0"/>
-          </a:p>
-          <a:p>
-            <a:pPr marL="12700">
-              <a:lnSpc>
-                <a:spcPct val="100000"/>
-              </a:lnSpc>
-              <a:spcBef>
-                <a:spcPts val="755"/>
-              </a:spcBef>
-            </a:pPr>
-            <a:r>
-              <a:rPr sz="2400" spc="130" dirty="0">
+              <a:rPr lang="en-US" sz="2400" spc="130" dirty="0">
                 <a:solidFill>
                   <a:srgbClr val="616E52"/>
                 </a:solidFill>
                 <a:latin typeface="Arial"/>
                 <a:cs typeface="Arial"/>
               </a:rPr>
-              <a:t>2</a:t>
-            </a:r>
-            <a:r>
-              <a:rPr lang="en-IN" sz="2400" spc="130" dirty="0">
+              <a:t>02/</a:t>
+            </a:r>
+            <a:r>
+              <a:rPr lang="ar-YE" sz="2400" spc="130" dirty="0">
                 <a:solidFill>
                   <a:srgbClr val="616E52"/>
                 </a:solidFill>
                 <a:latin typeface="Arial"/>
                 <a:cs typeface="Arial"/>
               </a:rPr>
-              <a:t>1</a:t>
-            </a:r>
-            <a:r>
-              <a:rPr sz="2400" spc="130" dirty="0">
-                <a:solidFill>
-                  <a:srgbClr val="616E52"/>
-                </a:solidFill>
-                <a:latin typeface="Arial"/>
-                <a:cs typeface="Arial"/>
-              </a:rPr>
-              <a:t>/0</a:t>
-            </a:r>
-            <a:r>
-              <a:rPr lang="en-US" sz="2400" spc="130" dirty="0">
-                <a:solidFill>
-                  <a:srgbClr val="616E52"/>
-                </a:solidFill>
-                <a:latin typeface="Arial"/>
-                <a:cs typeface="Arial"/>
-              </a:rPr>
-              <a:t>7</a:t>
+              <a:t>09</a:t>
             </a:r>
             <a:r>
               <a:rPr sz="2400" spc="130" dirty="0">
